--- a/brownDatathonPres.pptx
+++ b/brownDatathonPres.pptx
@@ -108,6 +108,11 @@
       </a:defRPr>
     </a:lvl9pPr>
   </p:defaultTextStyle>
+  <p:extLst>
+    <p:ext uri="{EFAFB233-063F-42B5-8137-9DF3F51BA10A}">
+      <p15:sldGuideLst xmlns:p15="http://schemas.microsoft.com/office/powerpoint/2012/main"/>
+    </p:ext>
+  </p:extLst>
 </p:presentation>
 </file>
 
@@ -3791,7 +3796,7 @@
           <a:p>
             <a:r>
               <a:rPr lang="en-US" dirty="0" err="1"/>
-              <a:t>DiscoverEngine</a:t>
+              <a:t>DiscoveryEngine</a:t>
             </a:r>
             <a:endParaRPr lang="en-US" dirty="0"/>
           </a:p>
@@ -3818,7 +3823,22 @@
           <a:bodyPr/>
           <a:lstStyle/>
           <a:p>
-            <a:endParaRPr lang="en-US" dirty="0"/>
+            <a:r>
+              <a:rPr lang="en-US" dirty="0"/>
+              <a:t>Jong Ha Lee and Vaibhav Ramamoorthy </a:t>
+            </a:r>
+          </a:p>
+          <a:p>
+            <a:r>
+              <a:rPr lang="en-US" dirty="0"/>
+              <a:t>U.C. Berkeley</a:t>
+            </a:r>
+          </a:p>
+          <a:p>
+            <a:r>
+              <a:rPr lang="en-US" dirty="0"/>
+              <a:t>Mar 04 2018</a:t>
+            </a:r>
           </a:p>
         </p:txBody>
       </p:sp>
@@ -3870,54 +3890,71 @@
         </p:nvSpPr>
         <p:spPr/>
         <p:txBody>
-          <a:bodyPr/>
+          <a:bodyPr>
+            <a:normAutofit/>
+          </a:bodyPr>
           <a:lstStyle/>
           <a:p>
             <a:r>
-              <a:rPr lang="en-US" dirty="0"/>
-              <a:t>Abstract, Intro, Conclusion = most important, first impression of research paper</a:t>
-            </a:r>
-          </a:p>
-          <a:p>
-            <a:r>
-              <a:rPr lang="en-US" dirty="0"/>
-              <a:t>Motivation: Everyday thing read abstracts first</a:t>
-            </a:r>
-          </a:p>
-          <a:p>
-            <a:r>
-              <a:rPr lang="en-US" dirty="0" err="1"/>
-              <a:t>DiscoverEngine</a:t>
-            </a:r>
-            <a:r>
-              <a:rPr lang="en-US" dirty="0"/>
-              <a:t> driven by human qualitative evaluations, prone to bias</a:t>
-            </a:r>
-          </a:p>
-        </p:txBody>
-      </p:sp>
-      <p:sp>
-        <p:nvSpPr>
-          <p:cNvPr id="3" name="Content Placeholder 2">
-            <a:extLst>
-              <a:ext uri="{FF2B5EF4-FFF2-40B4-BE49-F238E27FC236}">
-                <a16:creationId xmlns:a16="http://schemas.microsoft.com/office/drawing/2014/main" id="{E36F7928-E897-7B43-8817-9E745BE6C6B6}"/>
-              </a:ext>
-            </a:extLst>
-          </p:cNvPr>
-          <p:cNvSpPr>
-            <a:spLocks noGrp="1"/>
-          </p:cNvSpPr>
-          <p:nvPr>
-            <p:ph sz="quarter" idx="2"/>
-          </p:nvPr>
-        </p:nvSpPr>
-        <p:spPr/>
-        <p:txBody>
-          <a:bodyPr/>
-          <a:lstStyle/>
-          <a:p>
-            <a:endParaRPr lang="en-US" dirty="0"/>
+              <a:rPr lang="en-US" sz="2400" dirty="0"/>
+              <a:t>Data collection process prone to bias</a:t>
+            </a:r>
+          </a:p>
+          <a:p>
+            <a:pPr lvl="1"/>
+            <a:r>
+              <a:rPr lang="en-US" sz="1838" dirty="0"/>
+              <a:t>Evaluators self-select which papers to read</a:t>
+            </a:r>
+          </a:p>
+          <a:p>
+            <a:pPr lvl="1"/>
+            <a:r>
+              <a:rPr lang="en-US" sz="1838" dirty="0"/>
+              <a:t>Evaluations are conducted through a qualitative process</a:t>
+            </a:r>
+          </a:p>
+          <a:p>
+            <a:r>
+              <a:rPr lang="en-US" sz="2400" dirty="0"/>
+              <a:t>Papers are often lengthy so readers gain main idea from certain sections</a:t>
+            </a:r>
+          </a:p>
+          <a:p>
+            <a:pPr lvl="1"/>
+            <a:r>
+              <a:rPr lang="en-US" sz="1840" dirty="0"/>
+              <a:t>Abstract is usually the first</a:t>
+            </a:r>
+          </a:p>
+          <a:p>
+            <a:r>
+              <a:rPr lang="en-US" sz="2402" dirty="0"/>
+              <a:t>How do we measure the bias effect of that first impression?</a:t>
+            </a:r>
+          </a:p>
+          <a:p>
+            <a:pPr lvl="1"/>
+            <a:r>
+              <a:rPr lang="en-US" sz="1840" dirty="0"/>
+              <a:t>We baseline using </a:t>
+            </a:r>
+            <a:r>
+              <a:rPr lang="en-US" sz="1840" dirty="0" err="1"/>
+              <a:t>Altmetric</a:t>
+            </a:r>
+            <a:r>
+              <a:rPr lang="en-US" sz="1840" dirty="0"/>
+              <a:t> score – a parallel approach to </a:t>
+            </a:r>
+            <a:r>
+              <a:rPr lang="en-US" sz="1840" dirty="0" err="1"/>
+              <a:t>DiscoveryEngine’s</a:t>
+            </a:r>
+            <a:r>
+              <a:rPr lang="en-US" sz="1840" dirty="0"/>
+              <a:t> initial work on comparing Discovery Value scores to existing metrics for research paper quality</a:t>
+            </a:r>
           </a:p>
         </p:txBody>
       </p:sp>
@@ -3946,7 +3983,7 @@
           <a:p>
             <a:r>
               <a:rPr lang="en-US" dirty="0"/>
-              <a:t>Question: Are evaluator’s ratings affected/biased by their first impressions of a paper? </a:t>
+              <a:t>Question: Are evaluators’ ratings affected/biased by their first impressions of the research paper? </a:t>
             </a:r>
           </a:p>
         </p:txBody>
@@ -4105,12 +4142,120 @@
             <p:ph sz="quarter" idx="1"/>
           </p:nvPr>
         </p:nvSpPr>
-        <p:spPr/>
-        <p:txBody>
-          <a:bodyPr/>
+        <p:spPr>
+          <a:xfrm>
+            <a:off x="774095" y="2071687"/>
+            <a:ext cx="5225143" cy="4587021"/>
+          </a:xfrm>
+        </p:spPr>
+        <p:txBody>
+          <a:bodyPr>
+            <a:normAutofit/>
+          </a:bodyPr>
           <a:lstStyle/>
           <a:p>
-            <a:endParaRPr lang="en-US"/>
+            <a:r>
+              <a:rPr lang="en-US" dirty="0"/>
+              <a:t>Linear regression with the following features</a:t>
+            </a:r>
+          </a:p>
+          <a:p>
+            <a:pPr lvl="1"/>
+            <a:r>
+              <a:rPr lang="en-US" sz="1600" dirty="0"/>
+              <a:t>Number of characters in abstract</a:t>
+            </a:r>
+          </a:p>
+          <a:p>
+            <a:pPr lvl="1"/>
+            <a:r>
+              <a:rPr lang="en-US" sz="1600" dirty="0"/>
+              <a:t>Number of digits in abstract</a:t>
+            </a:r>
+          </a:p>
+          <a:p>
+            <a:pPr lvl="1"/>
+            <a:r>
+              <a:rPr lang="en-US" sz="1600" dirty="0"/>
+              <a:t>Count of words “findings” and “results”</a:t>
+            </a:r>
+          </a:p>
+          <a:p>
+            <a:pPr lvl="1"/>
+            <a:r>
+              <a:rPr lang="en-US" sz="1600" dirty="0"/>
+              <a:t>Year of publication</a:t>
+            </a:r>
+          </a:p>
+          <a:p>
+            <a:pPr lvl="1"/>
+            <a:r>
+              <a:rPr lang="en-US" sz="1600" dirty="0"/>
+              <a:t>*Version ID of evaluation form</a:t>
+            </a:r>
+          </a:p>
+          <a:p>
+            <a:pPr lvl="1"/>
+            <a:r>
+              <a:rPr lang="en-US" sz="1600" dirty="0"/>
+              <a:t>*Expertise level of evaluator</a:t>
+            </a:r>
+          </a:p>
+          <a:p>
+            <a:pPr lvl="1"/>
+            <a:r>
+              <a:rPr lang="en-US" sz="1600" dirty="0"/>
+              <a:t>Count of Discovery Value synonyms</a:t>
+            </a:r>
+          </a:p>
+          <a:p>
+            <a:pPr lvl="1"/>
+            <a:r>
+              <a:rPr lang="en-US" sz="1600" dirty="0"/>
+              <a:t>Count of </a:t>
+            </a:r>
+            <a:r>
+              <a:rPr lang="en-US" sz="1600" dirty="0" err="1"/>
+              <a:t>Actionability</a:t>
+            </a:r>
+            <a:r>
+              <a:rPr lang="en-US" sz="1600" dirty="0"/>
+              <a:t> synonyms</a:t>
+            </a:r>
+          </a:p>
+          <a:p>
+            <a:pPr lvl="1"/>
+            <a:r>
+              <a:rPr lang="en-US" sz="1600" dirty="0"/>
+              <a:t>Count of Confidence/Concreteness synonyms</a:t>
+            </a:r>
+          </a:p>
+          <a:p>
+            <a:pPr lvl="1"/>
+            <a:r>
+              <a:rPr lang="en-US" sz="1600" dirty="0" err="1"/>
+              <a:t>Altmetric</a:t>
+            </a:r>
+            <a:r>
+              <a:rPr lang="en-US" sz="1600" dirty="0"/>
+              <a:t> and *log(</a:t>
+            </a:r>
+            <a:r>
+              <a:rPr lang="en-US" sz="1600" dirty="0" err="1"/>
+              <a:t>Altmetric</a:t>
+            </a:r>
+            <a:r>
+              <a:rPr lang="en-US" sz="1600" dirty="0"/>
+              <a:t>)</a:t>
+            </a:r>
+          </a:p>
+          <a:p>
+            <a:pPr lvl="1"/>
+            <a:endParaRPr lang="en-US" sz="1840" dirty="0"/>
+          </a:p>
+          <a:p>
+            <a:pPr lvl="1"/>
+            <a:endParaRPr lang="en-US" sz="1840" dirty="0"/>
           </a:p>
         </p:txBody>
       </p:sp>
@@ -4135,7 +4280,28 @@
           <a:bodyPr/>
           <a:lstStyle/>
           <a:p>
-            <a:endParaRPr lang="en-US"/>
+            <a:r>
+              <a:rPr lang="en-US" dirty="0"/>
+              <a:t>Few of the abstract-specific features were significant in predicting any of the ratings</a:t>
+            </a:r>
+          </a:p>
+          <a:p>
+            <a:pPr lvl="1"/>
+            <a:r>
+              <a:rPr lang="en-US" sz="1840" dirty="0"/>
+              <a:t>Exception: Abstracts with higher instances of the words “findings” and “results” received better confidence/concreteness scores</a:t>
+            </a:r>
+          </a:p>
+          <a:p>
+            <a:r>
+              <a:rPr lang="en-US" sz="2440" dirty="0"/>
+              <a:t>Little evidence that abstract-based bias caused Discovery scores to deviate from </a:t>
+            </a:r>
+            <a:r>
+              <a:rPr lang="en-US" sz="2440" dirty="0" err="1"/>
+              <a:t>Altmetric</a:t>
+            </a:r>
+            <a:endParaRPr lang="en-US" sz="2440" dirty="0"/>
           </a:p>
         </p:txBody>
       </p:sp>

--- a/brownDatathonPres.pptx
+++ b/brownDatathonPres.pptx
@@ -4328,11 +4328,92 @@
           <a:p>
             <a:r>
               <a:rPr lang="en-US" dirty="0"/>
-              <a:t>Methodology &amp; Results</a:t>
-            </a:r>
-          </a:p>
-        </p:txBody>
-      </p:sp>
+              <a:t>Methodology and Results</a:t>
+            </a:r>
+          </a:p>
+        </p:txBody>
+      </p:sp>
+      <p:grpSp>
+        <p:nvGrpSpPr>
+          <p:cNvPr id="7" name="Group 6">
+            <a:extLst>
+              <a:ext uri="{FF2B5EF4-FFF2-40B4-BE49-F238E27FC236}">
+                <a16:creationId xmlns:a16="http://schemas.microsoft.com/office/drawing/2014/main" id="{B687B39A-5C6D-C645-B5B1-9C4D68416B73}"/>
+              </a:ext>
+            </a:extLst>
+          </p:cNvPr>
+          <p:cNvGrpSpPr/>
+          <p:nvPr/>
+        </p:nvGrpSpPr>
+        <p:grpSpPr>
+          <a:xfrm>
+            <a:off x="5664200" y="2382043"/>
+            <a:ext cx="6527800" cy="3022600"/>
+            <a:chOff x="1296377" y="1643063"/>
+            <a:chExt cx="6527800" cy="3022600"/>
+          </a:xfrm>
+        </p:grpSpPr>
+        <p:pic>
+          <p:nvPicPr>
+            <p:cNvPr id="5" name="Picture 4">
+              <a:extLst>
+                <a:ext uri="{FF2B5EF4-FFF2-40B4-BE49-F238E27FC236}">
+                  <a16:creationId xmlns:a16="http://schemas.microsoft.com/office/drawing/2014/main" id="{CCCFD48F-6CCA-CC47-83A2-5F349404A7B4}"/>
+                </a:ext>
+              </a:extLst>
+            </p:cNvPr>
+            <p:cNvPicPr>
+              <a:picLocks noChangeAspect="1"/>
+            </p:cNvPicPr>
+            <p:nvPr/>
+          </p:nvPicPr>
+          <p:blipFill>
+            <a:blip r:embed="rId2"/>
+            <a:stretch>
+              <a:fillRect/>
+            </a:stretch>
+          </p:blipFill>
+          <p:spPr>
+            <a:xfrm>
+              <a:off x="1296377" y="1643063"/>
+              <a:ext cx="6527800" cy="1765300"/>
+            </a:xfrm>
+            <a:prstGeom prst="rect">
+              <a:avLst/>
+            </a:prstGeom>
+          </p:spPr>
+        </p:pic>
+        <p:pic>
+          <p:nvPicPr>
+            <p:cNvPr id="6" name="Picture 5">
+              <a:extLst>
+                <a:ext uri="{FF2B5EF4-FFF2-40B4-BE49-F238E27FC236}">
+                  <a16:creationId xmlns:a16="http://schemas.microsoft.com/office/drawing/2014/main" id="{5DB0C790-E4DA-D340-81AD-1649EB9E5349}"/>
+                </a:ext>
+              </a:extLst>
+            </p:cNvPr>
+            <p:cNvPicPr>
+              <a:picLocks noChangeAspect="1"/>
+            </p:cNvPicPr>
+            <p:nvPr/>
+          </p:nvPicPr>
+          <p:blipFill>
+            <a:blip r:embed="rId3"/>
+            <a:stretch>
+              <a:fillRect/>
+            </a:stretch>
+          </p:blipFill>
+          <p:spPr>
+            <a:xfrm>
+              <a:off x="1334477" y="3408363"/>
+              <a:ext cx="6451600" cy="1257300"/>
+            </a:xfrm>
+            <a:prstGeom prst="rect">
+              <a:avLst/>
+            </a:prstGeom>
+          </p:spPr>
+        </p:pic>
+      </p:grpSp>
     </p:spTree>
     <p:extLst>
       <p:ext uri="{BB962C8B-B14F-4D97-AF65-F5344CB8AC3E}">
@@ -4343,6 +4424,177 @@
   <p:clrMapOvr>
     <a:masterClrMapping/>
   </p:clrMapOvr>
+  <p:timing>
+    <p:tnLst>
+      <p:par>
+        <p:cTn id="1" dur="indefinite" restart="never" nodeType="tmRoot">
+          <p:childTnLst>
+            <p:seq concurrent="1" nextAc="seek">
+              <p:cTn id="2" dur="indefinite" nodeType="mainSeq">
+                <p:childTnLst>
+                  <p:par>
+                    <p:cTn id="3" fill="hold">
+                      <p:stCondLst>
+                        <p:cond delay="indefinite"/>
+                      </p:stCondLst>
+                      <p:childTnLst>
+                        <p:par>
+                          <p:cTn id="4" fill="hold">
+                            <p:stCondLst>
+                              <p:cond delay="0"/>
+                            </p:stCondLst>
+                            <p:childTnLst>
+                              <p:par>
+                                <p:cTn id="5" presetID="1" presetClass="exit" presetSubtype="0" fill="hold" nodeType="clickEffect">
+                                  <p:stCondLst>
+                                    <p:cond delay="0"/>
+                                  </p:stCondLst>
+                                  <p:childTnLst>
+                                    <p:set>
+                                      <p:cBhvr>
+                                        <p:cTn id="6" dur="1" fill="hold">
+                                          <p:stCondLst>
+                                            <p:cond delay="0"/>
+                                          </p:stCondLst>
+                                        </p:cTn>
+                                        <p:tgtEl>
+                                          <p:spTgt spid="7"/>
+                                        </p:tgtEl>
+                                        <p:attrNameLst>
+                                          <p:attrName>style.visibility</p:attrName>
+                                        </p:attrNameLst>
+                                      </p:cBhvr>
+                                      <p:to>
+                                        <p:strVal val="hidden"/>
+                                      </p:to>
+                                    </p:set>
+                                  </p:childTnLst>
+                                </p:cTn>
+                              </p:par>
+                              <p:par>
+                                <p:cTn id="7" presetID="1" presetClass="entr" presetSubtype="0" fill="hold" grpId="0" nodeType="withEffect">
+                                  <p:stCondLst>
+                                    <p:cond delay="0"/>
+                                  </p:stCondLst>
+                                  <p:childTnLst>
+                                    <p:set>
+                                      <p:cBhvr>
+                                        <p:cTn id="8" dur="1" fill="hold">
+                                          <p:stCondLst>
+                                            <p:cond delay="0"/>
+                                          </p:stCondLst>
+                                        </p:cTn>
+                                        <p:tgtEl>
+                                          <p:spTgt spid="3">
+                                            <p:txEl>
+                                              <p:pRg st="0" end="0"/>
+                                            </p:txEl>
+                                          </p:spTgt>
+                                        </p:tgtEl>
+                                        <p:attrNameLst>
+                                          <p:attrName>style.visibility</p:attrName>
+                                        </p:attrNameLst>
+                                      </p:cBhvr>
+                                      <p:to>
+                                        <p:strVal val="visible"/>
+                                      </p:to>
+                                    </p:set>
+                                  </p:childTnLst>
+                                </p:cTn>
+                              </p:par>
+                              <p:par>
+                                <p:cTn id="9" presetID="1" presetClass="entr" presetSubtype="0" fill="hold" grpId="0" nodeType="withEffect">
+                                  <p:stCondLst>
+                                    <p:cond delay="0"/>
+                                  </p:stCondLst>
+                                  <p:childTnLst>
+                                    <p:set>
+                                      <p:cBhvr>
+                                        <p:cTn id="10" dur="1" fill="hold">
+                                          <p:stCondLst>
+                                            <p:cond delay="0"/>
+                                          </p:stCondLst>
+                                        </p:cTn>
+                                        <p:tgtEl>
+                                          <p:spTgt spid="3">
+                                            <p:txEl>
+                                              <p:pRg st="1" end="1"/>
+                                            </p:txEl>
+                                          </p:spTgt>
+                                        </p:tgtEl>
+                                        <p:attrNameLst>
+                                          <p:attrName>style.visibility</p:attrName>
+                                        </p:attrNameLst>
+                                      </p:cBhvr>
+                                      <p:to>
+                                        <p:strVal val="visible"/>
+                                      </p:to>
+                                    </p:set>
+                                  </p:childTnLst>
+                                </p:cTn>
+                              </p:par>
+                              <p:par>
+                                <p:cTn id="11" presetID="1" presetClass="entr" presetSubtype="0" fill="hold" grpId="0" nodeType="withEffect">
+                                  <p:stCondLst>
+                                    <p:cond delay="0"/>
+                                  </p:stCondLst>
+                                  <p:childTnLst>
+                                    <p:set>
+                                      <p:cBhvr>
+                                        <p:cTn id="12" dur="1" fill="hold">
+                                          <p:stCondLst>
+                                            <p:cond delay="0"/>
+                                          </p:stCondLst>
+                                        </p:cTn>
+                                        <p:tgtEl>
+                                          <p:spTgt spid="3">
+                                            <p:txEl>
+                                              <p:pRg st="2" end="2"/>
+                                            </p:txEl>
+                                          </p:spTgt>
+                                        </p:tgtEl>
+                                        <p:attrNameLst>
+                                          <p:attrName>style.visibility</p:attrName>
+                                        </p:attrNameLst>
+                                      </p:cBhvr>
+                                      <p:to>
+                                        <p:strVal val="visible"/>
+                                      </p:to>
+                                    </p:set>
+                                  </p:childTnLst>
+                                </p:cTn>
+                              </p:par>
+                            </p:childTnLst>
+                          </p:cTn>
+                        </p:par>
+                      </p:childTnLst>
+                    </p:cTn>
+                  </p:par>
+                </p:childTnLst>
+              </p:cTn>
+              <p:prevCondLst>
+                <p:cond evt="onPrev" delay="0">
+                  <p:tgtEl>
+                    <p:sldTgt/>
+                  </p:tgtEl>
+                </p:cond>
+              </p:prevCondLst>
+              <p:nextCondLst>
+                <p:cond evt="onNext" delay="0">
+                  <p:tgtEl>
+                    <p:sldTgt/>
+                  </p:tgtEl>
+                </p:cond>
+              </p:nextCondLst>
+            </p:seq>
+          </p:childTnLst>
+        </p:cTn>
+      </p:par>
+    </p:tnLst>
+    <p:bldLst>
+      <p:bldP spid="3" grpId="0" build="p"/>
+    </p:bldLst>
+  </p:timing>
 </p:sld>
 </file>
 
@@ -4365,10 +4617,10 @@
       </p:grpSpPr>
       <p:sp>
         <p:nvSpPr>
-          <p:cNvPr id="2" name="Content Placeholder 1">
+          <p:cNvPr id="5" name="Content Placeholder 4">
             <a:extLst>
               <a:ext uri="{FF2B5EF4-FFF2-40B4-BE49-F238E27FC236}">
-                <a16:creationId xmlns:a16="http://schemas.microsoft.com/office/drawing/2014/main" id="{BF959E05-941C-DB4E-BD69-974DE594EB05}"/>
+                <a16:creationId xmlns:a16="http://schemas.microsoft.com/office/drawing/2014/main" id="{4F7A72A2-B2AD-424C-97BD-5486254881DD}"/>
               </a:ext>
             </a:extLst>
           </p:cNvPr>
@@ -4381,35 +4633,21 @@
         </p:nvSpPr>
         <p:spPr/>
         <p:txBody>
-          <a:bodyPr/>
+          <a:bodyPr>
+            <a:normAutofit/>
+          </a:bodyPr>
           <a:lstStyle/>
           <a:p>
-            <a:endParaRPr lang="en-US"/>
-          </a:p>
-        </p:txBody>
-      </p:sp>
-      <p:sp>
-        <p:nvSpPr>
-          <p:cNvPr id="3" name="Content Placeholder 2">
-            <a:extLst>
-              <a:ext uri="{FF2B5EF4-FFF2-40B4-BE49-F238E27FC236}">
-                <a16:creationId xmlns:a16="http://schemas.microsoft.com/office/drawing/2014/main" id="{89B7971D-316B-6C45-A72C-400303FF2874}"/>
-              </a:ext>
-            </a:extLst>
-          </p:cNvPr>
-          <p:cNvSpPr>
-            <a:spLocks noGrp="1"/>
-          </p:cNvSpPr>
-          <p:nvPr>
-            <p:ph sz="quarter" idx="2"/>
-          </p:nvPr>
-        </p:nvSpPr>
-        <p:spPr/>
-        <p:txBody>
-          <a:bodyPr/>
-          <a:lstStyle/>
-          <a:p>
-            <a:endParaRPr lang="en-US"/>
+            <a:r>
+              <a:rPr lang="en-US" sz="2440" dirty="0"/>
+              <a:t>Validates accuracy of evaluation data of academic papers through a self-selected process</a:t>
+            </a:r>
+          </a:p>
+          <a:p>
+            <a:r>
+              <a:rPr lang="en-US" sz="2440" dirty="0"/>
+              <a:t>First impressions from the abstract do not seem to influence bias evaluators’ ratings</a:t>
+            </a:r>
           </a:p>
         </p:txBody>
       </p:sp>
@@ -4436,7 +4674,7 @@
           <a:p>
             <a:r>
               <a:rPr lang="en-US" dirty="0"/>
-              <a:t>Conclusion/Impact</a:t>
+              <a:t>Conclusion and Impact</a:t>
             </a:r>
           </a:p>
         </p:txBody>

--- a/brownDatathonPres.pptx
+++ b/brownDatathonPres.pptx
@@ -7,8 +7,8 @@
   <p:sldIdLst>
     <p:sldId id="256" r:id="rId2"/>
     <p:sldId id="257" r:id="rId3"/>
-    <p:sldId id="258" r:id="rId4"/>
-    <p:sldId id="259" r:id="rId5"/>
+    <p:sldId id="259" r:id="rId4"/>
+    <p:sldId id="258" r:id="rId5"/>
     <p:sldId id="260" r:id="rId6"/>
   </p:sldIdLst>
   <p:sldSz cx="12192000" cy="6858000"/>
@@ -3795,10 +3795,13 @@
           <a:lstStyle/>
           <a:p>
             <a:r>
-              <a:rPr lang="en-US" dirty="0" err="1"/>
+              <a:rPr lang="en-US" sz="4500" dirty="0" err="1"/>
               <a:t>DiscoveryEngine</a:t>
             </a:r>
-            <a:endParaRPr lang="en-US" dirty="0"/>
+            <a:r>
+              <a:rPr lang="en-US" sz="4500" dirty="0"/>
+              <a:t>: Analyzing First Impression Bias</a:t>
+            </a:r>
           </a:p>
         </p:txBody>
       </p:sp>
@@ -3831,13 +3834,13 @@
           <a:p>
             <a:r>
               <a:rPr lang="en-US" dirty="0"/>
-              <a:t>U.C. Berkeley</a:t>
-            </a:r>
-          </a:p>
-          <a:p>
-            <a:r>
-              <a:rPr lang="en-US" dirty="0"/>
-              <a:t>Mar 04 2018</a:t>
+              <a:t>UC Berkeley</a:t>
+            </a:r>
+          </a:p>
+          <a:p>
+            <a:r>
+              <a:rPr lang="en-US" dirty="0"/>
+              <a:t>March 04, 2018</a:t>
             </a:r>
           </a:p>
         </p:txBody>
@@ -3896,8 +3899,12 @@
           <a:lstStyle/>
           <a:p>
             <a:r>
+              <a:rPr lang="en-US" sz="2400" dirty="0" err="1"/>
+              <a:t>DiscoveryEngine’s</a:t>
+            </a:r>
+            <a:r>
               <a:rPr lang="en-US" sz="2400" dirty="0"/>
-              <a:t>Data collection process prone to bias</a:t>
+              <a:t> data collection process prone to bias</a:t>
             </a:r>
           </a:p>
           <a:p>
@@ -3917,43 +3924,25 @@
           <a:p>
             <a:r>
               <a:rPr lang="en-US" sz="2400" dirty="0"/>
-              <a:t>Papers are often lengthy so readers gain main idea from certain sections</a:t>
+              <a:t>Readers determine their perceptions of papers from certain sections</a:t>
             </a:r>
           </a:p>
           <a:p>
             <a:pPr lvl="1"/>
             <a:r>
+              <a:rPr lang="en-US" sz="1840" b="1" dirty="0"/>
+              <a:t>Abstract </a:t>
+            </a:r>
+            <a:r>
               <a:rPr lang="en-US" sz="1840" dirty="0"/>
-              <a:t>Abstract is usually the first</a:t>
-            </a:r>
+              <a:t>is the most formative</a:t>
+            </a:r>
+            <a:endParaRPr lang="en-US" sz="1840" b="1" dirty="0"/>
           </a:p>
           <a:p>
             <a:r>
               <a:rPr lang="en-US" sz="2402" dirty="0"/>
-              <a:t>How do we measure the bias effect of that first impression?</a:t>
-            </a:r>
-          </a:p>
-          <a:p>
-            <a:pPr lvl="1"/>
-            <a:r>
-              <a:rPr lang="en-US" sz="1840" dirty="0"/>
-              <a:t>We baseline using </a:t>
-            </a:r>
-            <a:r>
-              <a:rPr lang="en-US" sz="1840" dirty="0" err="1"/>
-              <a:t>Altmetric</a:t>
-            </a:r>
-            <a:r>
-              <a:rPr lang="en-US" sz="1840" dirty="0"/>
-              <a:t> score – a parallel approach to </a:t>
-            </a:r>
-            <a:r>
-              <a:rPr lang="en-US" sz="1840" dirty="0" err="1"/>
-              <a:t>DiscoveryEngine’s</a:t>
-            </a:r>
-            <a:r>
-              <a:rPr lang="en-US" sz="1840" dirty="0"/>
-              <a:t> initial work on comparing Discovery Value scores to existing metrics for research paper quality</a:t>
+              <a:t>How do we measure the effect of abstract on reader’s ratings?</a:t>
             </a:r>
           </a:p>
         </p:txBody>
@@ -3983,7 +3972,7 @@
           <a:p>
             <a:r>
               <a:rPr lang="en-US" dirty="0"/>
-              <a:t>Question: Are evaluators’ ratings affected/biased by their first impressions of the research paper? </a:t>
+              <a:t>Question: Are evaluators’ ratings affected by their first impressions of the research paper? </a:t>
             </a:r>
           </a:p>
         </p:txBody>
@@ -4002,114 +3991,6 @@
 </file>
 
 <file path=ppt/slides/slide3.xml><?xml version="1.0" encoding="utf-8"?>
-<p:sld xmlns:a="http://schemas.openxmlformats.org/drawingml/2006/main" xmlns:r="http://schemas.openxmlformats.org/officeDocument/2006/relationships" xmlns:p="http://schemas.openxmlformats.org/presentationml/2006/main">
-  <p:cSld>
-    <p:spTree>
-      <p:nvGrpSpPr>
-        <p:cNvPr id="1" name=""/>
-        <p:cNvGrpSpPr/>
-        <p:nvPr/>
-      </p:nvGrpSpPr>
-      <p:grpSpPr>
-        <a:xfrm>
-          <a:off x="0" y="0"/>
-          <a:ext cx="0" cy="0"/>
-          <a:chOff x="0" y="0"/>
-          <a:chExt cx="0" cy="0"/>
-        </a:xfrm>
-      </p:grpSpPr>
-      <p:sp>
-        <p:nvSpPr>
-          <p:cNvPr id="2" name="Content Placeholder 1">
-            <a:extLst>
-              <a:ext uri="{FF2B5EF4-FFF2-40B4-BE49-F238E27FC236}">
-                <a16:creationId xmlns:a16="http://schemas.microsoft.com/office/drawing/2014/main" id="{64BF55E8-E6E1-1045-83B4-1E01279F556D}"/>
-              </a:ext>
-            </a:extLst>
-          </p:cNvPr>
-          <p:cNvSpPr>
-            <a:spLocks noGrp="1"/>
-          </p:cNvSpPr>
-          <p:nvPr>
-            <p:ph sz="quarter" idx="1"/>
-          </p:nvPr>
-        </p:nvSpPr>
-        <p:spPr/>
-        <p:txBody>
-          <a:bodyPr/>
-          <a:lstStyle/>
-          <a:p>
-            <a:endParaRPr lang="en-US"/>
-          </a:p>
-        </p:txBody>
-      </p:sp>
-      <p:sp>
-        <p:nvSpPr>
-          <p:cNvPr id="3" name="Content Placeholder 2">
-            <a:extLst>
-              <a:ext uri="{FF2B5EF4-FFF2-40B4-BE49-F238E27FC236}">
-                <a16:creationId xmlns:a16="http://schemas.microsoft.com/office/drawing/2014/main" id="{54DA73BB-020D-FC4D-9B16-CFA07B14DA52}"/>
-              </a:ext>
-            </a:extLst>
-          </p:cNvPr>
-          <p:cNvSpPr>
-            <a:spLocks noGrp="1"/>
-          </p:cNvSpPr>
-          <p:nvPr>
-            <p:ph sz="quarter" idx="2"/>
-          </p:nvPr>
-        </p:nvSpPr>
-        <p:spPr/>
-        <p:txBody>
-          <a:bodyPr/>
-          <a:lstStyle/>
-          <a:p>
-            <a:endParaRPr lang="en-US"/>
-          </a:p>
-        </p:txBody>
-      </p:sp>
-      <p:sp>
-        <p:nvSpPr>
-          <p:cNvPr id="4" name="Title 3">
-            <a:extLst>
-              <a:ext uri="{FF2B5EF4-FFF2-40B4-BE49-F238E27FC236}">
-                <a16:creationId xmlns:a16="http://schemas.microsoft.com/office/drawing/2014/main" id="{86D32AAD-A9A7-354E-81F6-29671A05871F}"/>
-              </a:ext>
-            </a:extLst>
-          </p:cNvPr>
-          <p:cNvSpPr>
-            <a:spLocks noGrp="1"/>
-          </p:cNvSpPr>
-          <p:nvPr>
-            <p:ph type="title"/>
-          </p:nvPr>
-        </p:nvSpPr>
-        <p:spPr/>
-        <p:txBody>
-          <a:bodyPr/>
-          <a:lstStyle/>
-          <a:p>
-            <a:r>
-              <a:rPr lang="en-US" dirty="0"/>
-              <a:t>Visualization</a:t>
-            </a:r>
-          </a:p>
-        </p:txBody>
-      </p:sp>
-    </p:spTree>
-    <p:extLst>
-      <p:ext uri="{BB962C8B-B14F-4D97-AF65-F5344CB8AC3E}">
-        <p14:creationId xmlns:p14="http://schemas.microsoft.com/office/powerpoint/2010/main" val="4117816937"/>
-      </p:ext>
-    </p:extLst>
-  </p:cSld>
-  <p:clrMapOvr>
-    <a:masterClrMapping/>
-  </p:clrMapOvr>
-</p:sld>
-</file>
-
-<file path=ppt/slides/slide4.xml><?xml version="1.0" encoding="utf-8"?>
 <p:sld xmlns:a="http://schemas.openxmlformats.org/drawingml/2006/main" xmlns:r="http://schemas.openxmlformats.org/officeDocument/2006/relationships" xmlns:p="http://schemas.openxmlformats.org/presentationml/2006/main">
   <p:cSld>
     <p:spTree>
@@ -4598,6 +4479,69 @@
 </p:sld>
 </file>
 
+<file path=ppt/slides/slide4.xml><?xml version="1.0" encoding="utf-8"?>
+<p:sld xmlns:a="http://schemas.openxmlformats.org/drawingml/2006/main" xmlns:r="http://schemas.openxmlformats.org/officeDocument/2006/relationships" xmlns:p="http://schemas.openxmlformats.org/presentationml/2006/main">
+  <p:cSld>
+    <p:spTree>
+      <p:nvGrpSpPr>
+        <p:cNvPr id="1" name=""/>
+        <p:cNvGrpSpPr/>
+        <p:nvPr/>
+      </p:nvGrpSpPr>
+      <p:grpSpPr>
+        <a:xfrm>
+          <a:off x="0" y="0"/>
+          <a:ext cx="0" cy="0"/>
+          <a:chOff x="0" y="0"/>
+          <a:chExt cx="0" cy="0"/>
+        </a:xfrm>
+      </p:grpSpPr>
+      <p:pic>
+        <p:nvPicPr>
+          <p:cNvPr id="6" name="Content Placeholder 5">
+            <a:hlinkClick r:id="rId2"/>
+            <a:extLst>
+              <a:ext uri="{FF2B5EF4-FFF2-40B4-BE49-F238E27FC236}">
+                <a16:creationId xmlns:a16="http://schemas.microsoft.com/office/drawing/2014/main" id="{A32802D5-D272-4043-9350-9E837CBFBCDC}"/>
+              </a:ext>
+            </a:extLst>
+          </p:cNvPr>
+          <p:cNvPicPr>
+            <a:picLocks noGrp="1" noChangeAspect="1"/>
+          </p:cNvPicPr>
+          <p:nvPr>
+            <p:ph sz="quarter" idx="4294967295"/>
+          </p:nvPr>
+        </p:nvPicPr>
+        <p:blipFill>
+          <a:blip r:embed="rId3"/>
+          <a:stretch>
+            <a:fillRect/>
+          </a:stretch>
+        </p:blipFill>
+        <p:spPr>
+          <a:xfrm>
+            <a:off x="2683702" y="711907"/>
+            <a:ext cx="7599984" cy="5800777"/>
+          </a:xfrm>
+          <a:prstGeom prst="rect">
+            <a:avLst/>
+          </a:prstGeom>
+        </p:spPr>
+      </p:pic>
+    </p:spTree>
+    <p:extLst>
+      <p:ext uri="{BB962C8B-B14F-4D97-AF65-F5344CB8AC3E}">
+        <p14:creationId xmlns:p14="http://schemas.microsoft.com/office/powerpoint/2010/main" val="4117816937"/>
+      </p:ext>
+    </p:extLst>
+  </p:cSld>
+  <p:clrMapOvr>
+    <a:masterClrMapping/>
+  </p:clrMapOvr>
+</p:sld>
+</file>
+
 <file path=ppt/slides/slide5.xml><?xml version="1.0" encoding="utf-8"?>
 <p:sld xmlns:a="http://schemas.openxmlformats.org/drawingml/2006/main" xmlns:r="http://schemas.openxmlformats.org/officeDocument/2006/relationships" xmlns:p="http://schemas.openxmlformats.org/presentationml/2006/main">
   <p:cSld>
@@ -4631,7 +4575,12 @@
             <p:ph sz="quarter" idx="1"/>
           </p:nvPr>
         </p:nvSpPr>
-        <p:spPr/>
+        <p:spPr>
+          <a:xfrm>
+            <a:off x="788609" y="2071687"/>
+            <a:ext cx="11138348" cy="3786188"/>
+          </a:xfrm>
+        </p:spPr>
         <p:txBody>
           <a:bodyPr>
             <a:normAutofit/>
@@ -4640,13 +4589,41 @@
           <a:p>
             <a:r>
               <a:rPr lang="en-US" sz="2440" dirty="0"/>
-              <a:t>Validates accuracy of evaluation data of academic papers through a self-selected process</a:t>
-            </a:r>
-          </a:p>
-          <a:p>
+              <a:t>Explored possibility of first impressions on affecting </a:t>
+            </a:r>
+            <a:r>
+              <a:rPr lang="en-US" sz="2440" dirty="0" err="1"/>
+              <a:t>DiscoverEngine’s</a:t>
+            </a:r>
             <a:r>
               <a:rPr lang="en-US" sz="2440" dirty="0"/>
-              <a:t>First impressions from the abstract do not seem to influence bias evaluators’ ratings</a:t>
+              <a:t> ratings</a:t>
+            </a:r>
+          </a:p>
+          <a:p>
+            <a:r>
+              <a:rPr lang="en-US" sz="2440" dirty="0"/>
+              <a:t>Regression showed no significant impact of bias-related abstract metrics</a:t>
+            </a:r>
+          </a:p>
+          <a:p>
+            <a:r>
+              <a:rPr lang="en-US" sz="2440" dirty="0"/>
+              <a:t>Next Steps: </a:t>
+            </a:r>
+          </a:p>
+          <a:p>
+            <a:pPr lvl="1"/>
+            <a:r>
+              <a:rPr lang="en-US" sz="1878" dirty="0"/>
+              <a:t>Include covariates regarding paper’s relevance to current research trends</a:t>
+            </a:r>
+          </a:p>
+          <a:p>
+            <a:pPr lvl="1"/>
+            <a:r>
+              <a:rPr lang="en-US" sz="1878" dirty="0"/>
+              <a:t>Impact of authors’ reputation and pedigree on evaluator’s ratings</a:t>
             </a:r>
           </a:p>
         </p:txBody>
